--- a/ppt 16-9/1030.奇妙救主.pptx
+++ b/ppt 16-9/1030.奇妙救主.pptx
@@ -129,7 +129,7 @@
           <p:cNvPr id="2" name="标题 1">
             <a:extLst>
               <a:ext uri="{FF2B5EF4-FFF2-40B4-BE49-F238E27FC236}">
-                <a16:creationId xmlns:a16="http://schemas.microsoft.com/office/drawing/2014/main" id="{A9B5F0DE-47C5-7841-B425-D65A5A60DDF3}"/>
+                <a16:creationId xmlns:a16="http://schemas.microsoft.com/office/drawing/2014/main" id="{B52B761B-0049-6DC9-8C58-D4690F0755E9}"/>
               </a:ext>
             </a:extLst>
           </p:cNvPr>
@@ -166,7 +166,7 @@
           <p:cNvPr id="3" name="副标题 2">
             <a:extLst>
               <a:ext uri="{FF2B5EF4-FFF2-40B4-BE49-F238E27FC236}">
-                <a16:creationId xmlns:a16="http://schemas.microsoft.com/office/drawing/2014/main" id="{ABCADA2F-FDCF-7DA3-CB36-6159B9B1A54A}"/>
+                <a16:creationId xmlns:a16="http://schemas.microsoft.com/office/drawing/2014/main" id="{83DA57B7-9156-D5C2-836F-08E18E77985D}"/>
               </a:ext>
             </a:extLst>
           </p:cNvPr>
@@ -236,7 +236,7 @@
           <p:cNvPr id="4" name="日期占位符 3">
             <a:extLst>
               <a:ext uri="{FF2B5EF4-FFF2-40B4-BE49-F238E27FC236}">
-                <a16:creationId xmlns:a16="http://schemas.microsoft.com/office/drawing/2014/main" id="{1F58D3CA-3A45-6C3A-2CD0-4474F206E61C}"/>
+                <a16:creationId xmlns:a16="http://schemas.microsoft.com/office/drawing/2014/main" id="{5AA068BC-1F80-2AC3-6D57-5C73BED683B8}"/>
               </a:ext>
             </a:extLst>
           </p:cNvPr>
@@ -252,7 +252,7 @@
           <a:bodyPr/>
           <a:lstStyle/>
           <a:p>
-            <a:fld id="{1DDD77CC-6A9A-4EA7-967E-A6F6E5095DFE}" type="datetimeFigureOut">
+            <a:fld id="{0FC781BB-B210-4474-A817-192AC284A34B}" type="datetimeFigureOut">
               <a:rPr lang="zh-CN" altLang="en-US" smtClean="0"/>
               <a:t>2024/3/10</a:t>
             </a:fld>
@@ -265,7 +265,7 @@
           <p:cNvPr id="5" name="页脚占位符 4">
             <a:extLst>
               <a:ext uri="{FF2B5EF4-FFF2-40B4-BE49-F238E27FC236}">
-                <a16:creationId xmlns:a16="http://schemas.microsoft.com/office/drawing/2014/main" id="{7AF29D72-60FC-D798-BD19-A0C799A4FD02}"/>
+                <a16:creationId xmlns:a16="http://schemas.microsoft.com/office/drawing/2014/main" id="{49C5DA5E-67FA-D167-D281-4099BA9302B5}"/>
               </a:ext>
             </a:extLst>
           </p:cNvPr>
@@ -290,7 +290,7 @@
           <p:cNvPr id="6" name="灯片编号占位符 5">
             <a:extLst>
               <a:ext uri="{FF2B5EF4-FFF2-40B4-BE49-F238E27FC236}">
-                <a16:creationId xmlns:a16="http://schemas.microsoft.com/office/drawing/2014/main" id="{6FA1F971-31D1-FC5E-3D86-78C82606A285}"/>
+                <a16:creationId xmlns:a16="http://schemas.microsoft.com/office/drawing/2014/main" id="{9D3E7049-D1F0-43E9-1F3C-13CA242F2F75}"/>
               </a:ext>
             </a:extLst>
           </p:cNvPr>
@@ -306,7 +306,7 @@
           <a:bodyPr/>
           <a:lstStyle/>
           <a:p>
-            <a:fld id="{D98A192B-B0EA-4FAA-BC3E-8A0C7D8235CE}" type="slidenum">
+            <a:fld id="{9BA37276-30D0-4B52-A691-0F9C0F88D698}" type="slidenum">
               <a:rPr lang="zh-CN" altLang="en-US" smtClean="0"/>
               <a:t>‹#›</a:t>
             </a:fld>
@@ -317,7 +317,7 @@
     </p:spTree>
     <p:extLst>
       <p:ext uri="{BB962C8B-B14F-4D97-AF65-F5344CB8AC3E}">
-        <p14:creationId xmlns:p14="http://schemas.microsoft.com/office/powerpoint/2010/main" val="1578087648"/>
+        <p14:creationId xmlns:p14="http://schemas.microsoft.com/office/powerpoint/2010/main" val="2839871133"/>
       </p:ext>
     </p:extLst>
   </p:cSld>
@@ -349,7 +349,7 @@
           <p:cNvPr id="2" name="标题 1">
             <a:extLst>
               <a:ext uri="{FF2B5EF4-FFF2-40B4-BE49-F238E27FC236}">
-                <a16:creationId xmlns:a16="http://schemas.microsoft.com/office/drawing/2014/main" id="{45D97CFA-C595-5A52-D522-30EBFCBF505A}"/>
+                <a16:creationId xmlns:a16="http://schemas.microsoft.com/office/drawing/2014/main" id="{91B33FE3-5537-3FF4-C555-F90B0181D01B}"/>
               </a:ext>
             </a:extLst>
           </p:cNvPr>
@@ -377,7 +377,7 @@
           <p:cNvPr id="3" name="竖排文字占位符 2">
             <a:extLst>
               <a:ext uri="{FF2B5EF4-FFF2-40B4-BE49-F238E27FC236}">
-                <a16:creationId xmlns:a16="http://schemas.microsoft.com/office/drawing/2014/main" id="{8B57AF8A-E729-5545-D713-C5D400E70CBC}"/>
+                <a16:creationId xmlns:a16="http://schemas.microsoft.com/office/drawing/2014/main" id="{7CC49C53-7694-8F4E-7137-A111FD76B6D2}"/>
               </a:ext>
             </a:extLst>
           </p:cNvPr>
@@ -434,7 +434,7 @@
           <p:cNvPr id="4" name="日期占位符 3">
             <a:extLst>
               <a:ext uri="{FF2B5EF4-FFF2-40B4-BE49-F238E27FC236}">
-                <a16:creationId xmlns:a16="http://schemas.microsoft.com/office/drawing/2014/main" id="{3AD62787-EAAC-87B8-AAD7-550F2C11EDF8}"/>
+                <a16:creationId xmlns:a16="http://schemas.microsoft.com/office/drawing/2014/main" id="{4FE7CACD-CBCB-E638-798A-D26149C3AD30}"/>
               </a:ext>
             </a:extLst>
           </p:cNvPr>
@@ -450,7 +450,7 @@
           <a:bodyPr/>
           <a:lstStyle/>
           <a:p>
-            <a:fld id="{1DDD77CC-6A9A-4EA7-967E-A6F6E5095DFE}" type="datetimeFigureOut">
+            <a:fld id="{0FC781BB-B210-4474-A817-192AC284A34B}" type="datetimeFigureOut">
               <a:rPr lang="zh-CN" altLang="en-US" smtClean="0"/>
               <a:t>2024/3/10</a:t>
             </a:fld>
@@ -463,7 +463,7 @@
           <p:cNvPr id="5" name="页脚占位符 4">
             <a:extLst>
               <a:ext uri="{FF2B5EF4-FFF2-40B4-BE49-F238E27FC236}">
-                <a16:creationId xmlns:a16="http://schemas.microsoft.com/office/drawing/2014/main" id="{0986BEEE-C525-E3B9-39C7-F9508279C733}"/>
+                <a16:creationId xmlns:a16="http://schemas.microsoft.com/office/drawing/2014/main" id="{835A94BD-E00C-CE3E-80D9-DC50A954F0FA}"/>
               </a:ext>
             </a:extLst>
           </p:cNvPr>
@@ -488,7 +488,7 @@
           <p:cNvPr id="6" name="灯片编号占位符 5">
             <a:extLst>
               <a:ext uri="{FF2B5EF4-FFF2-40B4-BE49-F238E27FC236}">
-                <a16:creationId xmlns:a16="http://schemas.microsoft.com/office/drawing/2014/main" id="{8C226913-957B-1163-6F44-F6DB1B9E5025}"/>
+                <a16:creationId xmlns:a16="http://schemas.microsoft.com/office/drawing/2014/main" id="{8B203A70-E322-9073-6492-23AA79A8B901}"/>
               </a:ext>
             </a:extLst>
           </p:cNvPr>
@@ -504,7 +504,7 @@
           <a:bodyPr/>
           <a:lstStyle/>
           <a:p>
-            <a:fld id="{D98A192B-B0EA-4FAA-BC3E-8A0C7D8235CE}" type="slidenum">
+            <a:fld id="{9BA37276-30D0-4B52-A691-0F9C0F88D698}" type="slidenum">
               <a:rPr lang="zh-CN" altLang="en-US" smtClean="0"/>
               <a:t>‹#›</a:t>
             </a:fld>
@@ -515,7 +515,7 @@
     </p:spTree>
     <p:extLst>
       <p:ext uri="{BB962C8B-B14F-4D97-AF65-F5344CB8AC3E}">
-        <p14:creationId xmlns:p14="http://schemas.microsoft.com/office/powerpoint/2010/main" val="3154547852"/>
+        <p14:creationId xmlns:p14="http://schemas.microsoft.com/office/powerpoint/2010/main" val="2530073844"/>
       </p:ext>
     </p:extLst>
   </p:cSld>
@@ -547,7 +547,7 @@
           <p:cNvPr id="2" name="竖排标题 1">
             <a:extLst>
               <a:ext uri="{FF2B5EF4-FFF2-40B4-BE49-F238E27FC236}">
-                <a16:creationId xmlns:a16="http://schemas.microsoft.com/office/drawing/2014/main" id="{D5DAC7E8-DF3E-C8F7-108E-EDF7207649FA}"/>
+                <a16:creationId xmlns:a16="http://schemas.microsoft.com/office/drawing/2014/main" id="{80A6977A-D537-4EE3-3D3D-268C826676B3}"/>
               </a:ext>
             </a:extLst>
           </p:cNvPr>
@@ -580,7 +580,7 @@
           <p:cNvPr id="3" name="竖排文字占位符 2">
             <a:extLst>
               <a:ext uri="{FF2B5EF4-FFF2-40B4-BE49-F238E27FC236}">
-                <a16:creationId xmlns:a16="http://schemas.microsoft.com/office/drawing/2014/main" id="{58120E79-542D-91A8-27D8-9B81BC044727}"/>
+                <a16:creationId xmlns:a16="http://schemas.microsoft.com/office/drawing/2014/main" id="{0964385E-5061-C86A-8768-2F28620A016A}"/>
               </a:ext>
             </a:extLst>
           </p:cNvPr>
@@ -642,7 +642,7 @@
           <p:cNvPr id="4" name="日期占位符 3">
             <a:extLst>
               <a:ext uri="{FF2B5EF4-FFF2-40B4-BE49-F238E27FC236}">
-                <a16:creationId xmlns:a16="http://schemas.microsoft.com/office/drawing/2014/main" id="{90388CD8-B27E-52B8-B45B-5D3FB4902E59}"/>
+                <a16:creationId xmlns:a16="http://schemas.microsoft.com/office/drawing/2014/main" id="{78CF9587-9A6B-3CCC-1521-1F6BF924BBE2}"/>
               </a:ext>
             </a:extLst>
           </p:cNvPr>
@@ -658,7 +658,7 @@
           <a:bodyPr/>
           <a:lstStyle/>
           <a:p>
-            <a:fld id="{1DDD77CC-6A9A-4EA7-967E-A6F6E5095DFE}" type="datetimeFigureOut">
+            <a:fld id="{0FC781BB-B210-4474-A817-192AC284A34B}" type="datetimeFigureOut">
               <a:rPr lang="zh-CN" altLang="en-US" smtClean="0"/>
               <a:t>2024/3/10</a:t>
             </a:fld>
@@ -671,7 +671,7 @@
           <p:cNvPr id="5" name="页脚占位符 4">
             <a:extLst>
               <a:ext uri="{FF2B5EF4-FFF2-40B4-BE49-F238E27FC236}">
-                <a16:creationId xmlns:a16="http://schemas.microsoft.com/office/drawing/2014/main" id="{D0C3CA17-71B9-01B1-214F-37EA62930690}"/>
+                <a16:creationId xmlns:a16="http://schemas.microsoft.com/office/drawing/2014/main" id="{2A9C4AB8-8A58-7D15-419F-F4B1A3CC6CBB}"/>
               </a:ext>
             </a:extLst>
           </p:cNvPr>
@@ -696,7 +696,7 @@
           <p:cNvPr id="6" name="灯片编号占位符 5">
             <a:extLst>
               <a:ext uri="{FF2B5EF4-FFF2-40B4-BE49-F238E27FC236}">
-                <a16:creationId xmlns:a16="http://schemas.microsoft.com/office/drawing/2014/main" id="{F58084E8-BE55-53F7-67ED-95487F5A6491}"/>
+                <a16:creationId xmlns:a16="http://schemas.microsoft.com/office/drawing/2014/main" id="{78CBB37A-5965-078A-BC81-86A96C5F0318}"/>
               </a:ext>
             </a:extLst>
           </p:cNvPr>
@@ -712,7 +712,7 @@
           <a:bodyPr/>
           <a:lstStyle/>
           <a:p>
-            <a:fld id="{D98A192B-B0EA-4FAA-BC3E-8A0C7D8235CE}" type="slidenum">
+            <a:fld id="{9BA37276-30D0-4B52-A691-0F9C0F88D698}" type="slidenum">
               <a:rPr lang="zh-CN" altLang="en-US" smtClean="0"/>
               <a:t>‹#›</a:t>
             </a:fld>
@@ -723,7 +723,7 @@
     </p:spTree>
     <p:extLst>
       <p:ext uri="{BB962C8B-B14F-4D97-AF65-F5344CB8AC3E}">
-        <p14:creationId xmlns:p14="http://schemas.microsoft.com/office/powerpoint/2010/main" val="3876960198"/>
+        <p14:creationId xmlns:p14="http://schemas.microsoft.com/office/powerpoint/2010/main" val="1246678735"/>
       </p:ext>
     </p:extLst>
   </p:cSld>
@@ -755,7 +755,7 @@
           <p:cNvPr id="2" name="标题 1">
             <a:extLst>
               <a:ext uri="{FF2B5EF4-FFF2-40B4-BE49-F238E27FC236}">
-                <a16:creationId xmlns:a16="http://schemas.microsoft.com/office/drawing/2014/main" id="{BF1F9DF6-37EB-FB56-997A-4D7D8CABC5FE}"/>
+                <a16:creationId xmlns:a16="http://schemas.microsoft.com/office/drawing/2014/main" id="{627283BA-F323-7333-5425-5F740DA77417}"/>
               </a:ext>
             </a:extLst>
           </p:cNvPr>
@@ -783,7 +783,7 @@
           <p:cNvPr id="3" name="内容占位符 2">
             <a:extLst>
               <a:ext uri="{FF2B5EF4-FFF2-40B4-BE49-F238E27FC236}">
-                <a16:creationId xmlns:a16="http://schemas.microsoft.com/office/drawing/2014/main" id="{B1C1024C-1336-E9F7-B2E6-C34A9D53EB27}"/>
+                <a16:creationId xmlns:a16="http://schemas.microsoft.com/office/drawing/2014/main" id="{0FF2FEFD-A48C-17AD-2163-4B9A57FD8AB9}"/>
               </a:ext>
             </a:extLst>
           </p:cNvPr>
@@ -840,7 +840,7 @@
           <p:cNvPr id="4" name="日期占位符 3">
             <a:extLst>
               <a:ext uri="{FF2B5EF4-FFF2-40B4-BE49-F238E27FC236}">
-                <a16:creationId xmlns:a16="http://schemas.microsoft.com/office/drawing/2014/main" id="{3A514DF3-8D74-CE7B-A8E8-F8B068059F47}"/>
+                <a16:creationId xmlns:a16="http://schemas.microsoft.com/office/drawing/2014/main" id="{657F2593-DFC2-69FF-0FFB-34B9A6AFB43F}"/>
               </a:ext>
             </a:extLst>
           </p:cNvPr>
@@ -856,7 +856,7 @@
           <a:bodyPr/>
           <a:lstStyle/>
           <a:p>
-            <a:fld id="{1DDD77CC-6A9A-4EA7-967E-A6F6E5095DFE}" type="datetimeFigureOut">
+            <a:fld id="{0FC781BB-B210-4474-A817-192AC284A34B}" type="datetimeFigureOut">
               <a:rPr lang="zh-CN" altLang="en-US" smtClean="0"/>
               <a:t>2024/3/10</a:t>
             </a:fld>
@@ -869,7 +869,7 @@
           <p:cNvPr id="5" name="页脚占位符 4">
             <a:extLst>
               <a:ext uri="{FF2B5EF4-FFF2-40B4-BE49-F238E27FC236}">
-                <a16:creationId xmlns:a16="http://schemas.microsoft.com/office/drawing/2014/main" id="{2A93EB4E-7073-CBFB-11DC-F6BF5939E831}"/>
+                <a16:creationId xmlns:a16="http://schemas.microsoft.com/office/drawing/2014/main" id="{920F0E3C-944A-0409-46DB-DB042925AD9A}"/>
               </a:ext>
             </a:extLst>
           </p:cNvPr>
@@ -894,7 +894,7 @@
           <p:cNvPr id="6" name="灯片编号占位符 5">
             <a:extLst>
               <a:ext uri="{FF2B5EF4-FFF2-40B4-BE49-F238E27FC236}">
-                <a16:creationId xmlns:a16="http://schemas.microsoft.com/office/drawing/2014/main" id="{7A9588BD-3286-C6E9-4C5D-B88CD0986638}"/>
+                <a16:creationId xmlns:a16="http://schemas.microsoft.com/office/drawing/2014/main" id="{0AE38671-5F3D-1446-5777-642EF9DF081A}"/>
               </a:ext>
             </a:extLst>
           </p:cNvPr>
@@ -910,7 +910,7 @@
           <a:bodyPr/>
           <a:lstStyle/>
           <a:p>
-            <a:fld id="{D98A192B-B0EA-4FAA-BC3E-8A0C7D8235CE}" type="slidenum">
+            <a:fld id="{9BA37276-30D0-4B52-A691-0F9C0F88D698}" type="slidenum">
               <a:rPr lang="zh-CN" altLang="en-US" smtClean="0"/>
               <a:t>‹#›</a:t>
             </a:fld>
@@ -921,7 +921,7 @@
     </p:spTree>
     <p:extLst>
       <p:ext uri="{BB962C8B-B14F-4D97-AF65-F5344CB8AC3E}">
-        <p14:creationId xmlns:p14="http://schemas.microsoft.com/office/powerpoint/2010/main" val="170703162"/>
+        <p14:creationId xmlns:p14="http://schemas.microsoft.com/office/powerpoint/2010/main" val="3543277540"/>
       </p:ext>
     </p:extLst>
   </p:cSld>
@@ -953,7 +953,7 @@
           <p:cNvPr id="2" name="标题 1">
             <a:extLst>
               <a:ext uri="{FF2B5EF4-FFF2-40B4-BE49-F238E27FC236}">
-                <a16:creationId xmlns:a16="http://schemas.microsoft.com/office/drawing/2014/main" id="{D799A83A-C0D6-F91B-0EC2-8A8F5153FD37}"/>
+                <a16:creationId xmlns:a16="http://schemas.microsoft.com/office/drawing/2014/main" id="{DACCE0B4-FEB0-8330-F1B7-93AFA099D388}"/>
               </a:ext>
             </a:extLst>
           </p:cNvPr>
@@ -990,7 +990,7 @@
           <p:cNvPr id="3" name="文本占位符 2">
             <a:extLst>
               <a:ext uri="{FF2B5EF4-FFF2-40B4-BE49-F238E27FC236}">
-                <a16:creationId xmlns:a16="http://schemas.microsoft.com/office/drawing/2014/main" id="{6F7428EE-A82D-958D-D383-59ED036EC354}"/>
+                <a16:creationId xmlns:a16="http://schemas.microsoft.com/office/drawing/2014/main" id="{982D3C6C-4004-E8B8-E4DC-E781B0B06A58}"/>
               </a:ext>
             </a:extLst>
           </p:cNvPr>
@@ -1115,7 +1115,7 @@
           <p:cNvPr id="4" name="日期占位符 3">
             <a:extLst>
               <a:ext uri="{FF2B5EF4-FFF2-40B4-BE49-F238E27FC236}">
-                <a16:creationId xmlns:a16="http://schemas.microsoft.com/office/drawing/2014/main" id="{C2C5ECB4-EA11-D293-5E18-6D21F139E556}"/>
+                <a16:creationId xmlns:a16="http://schemas.microsoft.com/office/drawing/2014/main" id="{3ABE64DD-E06E-CEA6-327E-EC69AEAD4A37}"/>
               </a:ext>
             </a:extLst>
           </p:cNvPr>
@@ -1131,7 +1131,7 @@
           <a:bodyPr/>
           <a:lstStyle/>
           <a:p>
-            <a:fld id="{1DDD77CC-6A9A-4EA7-967E-A6F6E5095DFE}" type="datetimeFigureOut">
+            <a:fld id="{0FC781BB-B210-4474-A817-192AC284A34B}" type="datetimeFigureOut">
               <a:rPr lang="zh-CN" altLang="en-US" smtClean="0"/>
               <a:t>2024/3/10</a:t>
             </a:fld>
@@ -1144,7 +1144,7 @@
           <p:cNvPr id="5" name="页脚占位符 4">
             <a:extLst>
               <a:ext uri="{FF2B5EF4-FFF2-40B4-BE49-F238E27FC236}">
-                <a16:creationId xmlns:a16="http://schemas.microsoft.com/office/drawing/2014/main" id="{2F8BF920-A21A-1AB9-6427-DF320D137331}"/>
+                <a16:creationId xmlns:a16="http://schemas.microsoft.com/office/drawing/2014/main" id="{F1F6ECB1-FC7D-7CA0-2FFB-CC4FA8A30894}"/>
               </a:ext>
             </a:extLst>
           </p:cNvPr>
@@ -1169,7 +1169,7 @@
           <p:cNvPr id="6" name="灯片编号占位符 5">
             <a:extLst>
               <a:ext uri="{FF2B5EF4-FFF2-40B4-BE49-F238E27FC236}">
-                <a16:creationId xmlns:a16="http://schemas.microsoft.com/office/drawing/2014/main" id="{F3E06D1B-5550-BD88-0478-697DE11AA015}"/>
+                <a16:creationId xmlns:a16="http://schemas.microsoft.com/office/drawing/2014/main" id="{DFDBF3DD-C7F4-86A9-44A4-F7DE5633610A}"/>
               </a:ext>
             </a:extLst>
           </p:cNvPr>
@@ -1185,7 +1185,7 @@
           <a:bodyPr/>
           <a:lstStyle/>
           <a:p>
-            <a:fld id="{D98A192B-B0EA-4FAA-BC3E-8A0C7D8235CE}" type="slidenum">
+            <a:fld id="{9BA37276-30D0-4B52-A691-0F9C0F88D698}" type="slidenum">
               <a:rPr lang="zh-CN" altLang="en-US" smtClean="0"/>
               <a:t>‹#›</a:t>
             </a:fld>
@@ -1196,7 +1196,7 @@
     </p:spTree>
     <p:extLst>
       <p:ext uri="{BB962C8B-B14F-4D97-AF65-F5344CB8AC3E}">
-        <p14:creationId xmlns:p14="http://schemas.microsoft.com/office/powerpoint/2010/main" val="1996324401"/>
+        <p14:creationId xmlns:p14="http://schemas.microsoft.com/office/powerpoint/2010/main" val="228245275"/>
       </p:ext>
     </p:extLst>
   </p:cSld>
@@ -1228,7 +1228,7 @@
           <p:cNvPr id="2" name="标题 1">
             <a:extLst>
               <a:ext uri="{FF2B5EF4-FFF2-40B4-BE49-F238E27FC236}">
-                <a16:creationId xmlns:a16="http://schemas.microsoft.com/office/drawing/2014/main" id="{BA2DD3CA-7E5C-9E55-4FF7-CC73EAA06CF3}"/>
+                <a16:creationId xmlns:a16="http://schemas.microsoft.com/office/drawing/2014/main" id="{A815914E-D668-746D-B6A2-94E2ED7C4A65}"/>
               </a:ext>
             </a:extLst>
           </p:cNvPr>
@@ -1256,7 +1256,7 @@
           <p:cNvPr id="3" name="内容占位符 2">
             <a:extLst>
               <a:ext uri="{FF2B5EF4-FFF2-40B4-BE49-F238E27FC236}">
-                <a16:creationId xmlns:a16="http://schemas.microsoft.com/office/drawing/2014/main" id="{D0F2A1D4-C192-90E4-6235-39986DC9468D}"/>
+                <a16:creationId xmlns:a16="http://schemas.microsoft.com/office/drawing/2014/main" id="{D8D67837-0F0C-6590-74B3-E9402376A811}"/>
               </a:ext>
             </a:extLst>
           </p:cNvPr>
@@ -1318,7 +1318,7 @@
           <p:cNvPr id="4" name="内容占位符 3">
             <a:extLst>
               <a:ext uri="{FF2B5EF4-FFF2-40B4-BE49-F238E27FC236}">
-                <a16:creationId xmlns:a16="http://schemas.microsoft.com/office/drawing/2014/main" id="{34598497-15F8-7B4E-4501-D493619CA1EE}"/>
+                <a16:creationId xmlns:a16="http://schemas.microsoft.com/office/drawing/2014/main" id="{A28A824D-5590-CBA7-0B93-2D904EB5E5A1}"/>
               </a:ext>
             </a:extLst>
           </p:cNvPr>
@@ -1380,7 +1380,7 @@
           <p:cNvPr id="5" name="日期占位符 4">
             <a:extLst>
               <a:ext uri="{FF2B5EF4-FFF2-40B4-BE49-F238E27FC236}">
-                <a16:creationId xmlns:a16="http://schemas.microsoft.com/office/drawing/2014/main" id="{39661B9E-CFDD-3296-D137-D2BFD2F103A5}"/>
+                <a16:creationId xmlns:a16="http://schemas.microsoft.com/office/drawing/2014/main" id="{E65FEBD2-D071-AE07-C3B5-0CE15C795048}"/>
               </a:ext>
             </a:extLst>
           </p:cNvPr>
@@ -1396,7 +1396,7 @@
           <a:bodyPr/>
           <a:lstStyle/>
           <a:p>
-            <a:fld id="{1DDD77CC-6A9A-4EA7-967E-A6F6E5095DFE}" type="datetimeFigureOut">
+            <a:fld id="{0FC781BB-B210-4474-A817-192AC284A34B}" type="datetimeFigureOut">
               <a:rPr lang="zh-CN" altLang="en-US" smtClean="0"/>
               <a:t>2024/3/10</a:t>
             </a:fld>
@@ -1409,7 +1409,7 @@
           <p:cNvPr id="6" name="页脚占位符 5">
             <a:extLst>
               <a:ext uri="{FF2B5EF4-FFF2-40B4-BE49-F238E27FC236}">
-                <a16:creationId xmlns:a16="http://schemas.microsoft.com/office/drawing/2014/main" id="{5F993022-2CBF-102A-C27E-AA72CEB20F01}"/>
+                <a16:creationId xmlns:a16="http://schemas.microsoft.com/office/drawing/2014/main" id="{D76C24C9-A899-72DF-1546-BC902D661AF2}"/>
               </a:ext>
             </a:extLst>
           </p:cNvPr>
@@ -1434,7 +1434,7 @@
           <p:cNvPr id="7" name="灯片编号占位符 6">
             <a:extLst>
               <a:ext uri="{FF2B5EF4-FFF2-40B4-BE49-F238E27FC236}">
-                <a16:creationId xmlns:a16="http://schemas.microsoft.com/office/drawing/2014/main" id="{77446D4B-253E-8FB7-225A-256C187980F7}"/>
+                <a16:creationId xmlns:a16="http://schemas.microsoft.com/office/drawing/2014/main" id="{D7BF73D8-162B-8621-1C41-2160196CEE44}"/>
               </a:ext>
             </a:extLst>
           </p:cNvPr>
@@ -1450,7 +1450,7 @@
           <a:bodyPr/>
           <a:lstStyle/>
           <a:p>
-            <a:fld id="{D98A192B-B0EA-4FAA-BC3E-8A0C7D8235CE}" type="slidenum">
+            <a:fld id="{9BA37276-30D0-4B52-A691-0F9C0F88D698}" type="slidenum">
               <a:rPr lang="zh-CN" altLang="en-US" smtClean="0"/>
               <a:t>‹#›</a:t>
             </a:fld>
@@ -1461,7 +1461,7 @@
     </p:spTree>
     <p:extLst>
       <p:ext uri="{BB962C8B-B14F-4D97-AF65-F5344CB8AC3E}">
-        <p14:creationId xmlns:p14="http://schemas.microsoft.com/office/powerpoint/2010/main" val="2612402316"/>
+        <p14:creationId xmlns:p14="http://schemas.microsoft.com/office/powerpoint/2010/main" val="1712217844"/>
       </p:ext>
     </p:extLst>
   </p:cSld>
@@ -1493,7 +1493,7 @@
           <p:cNvPr id="2" name="标题 1">
             <a:extLst>
               <a:ext uri="{FF2B5EF4-FFF2-40B4-BE49-F238E27FC236}">
-                <a16:creationId xmlns:a16="http://schemas.microsoft.com/office/drawing/2014/main" id="{D0872ADC-E5C6-DA9E-64D1-000F636B1A4B}"/>
+                <a16:creationId xmlns:a16="http://schemas.microsoft.com/office/drawing/2014/main" id="{18C0A4EC-B537-C7A6-A2E6-986A7757DAE9}"/>
               </a:ext>
             </a:extLst>
           </p:cNvPr>
@@ -1526,7 +1526,7 @@
           <p:cNvPr id="3" name="文本占位符 2">
             <a:extLst>
               <a:ext uri="{FF2B5EF4-FFF2-40B4-BE49-F238E27FC236}">
-                <a16:creationId xmlns:a16="http://schemas.microsoft.com/office/drawing/2014/main" id="{F55B95EF-3DA1-1825-A973-606FF40A95C7}"/>
+                <a16:creationId xmlns:a16="http://schemas.microsoft.com/office/drawing/2014/main" id="{0FFF8203-0119-0672-0B7E-97D91B0DFC9F}"/>
               </a:ext>
             </a:extLst>
           </p:cNvPr>
@@ -1597,7 +1597,7 @@
           <p:cNvPr id="4" name="内容占位符 3">
             <a:extLst>
               <a:ext uri="{FF2B5EF4-FFF2-40B4-BE49-F238E27FC236}">
-                <a16:creationId xmlns:a16="http://schemas.microsoft.com/office/drawing/2014/main" id="{07242DC9-5141-FF28-B34D-671EE399A8C9}"/>
+                <a16:creationId xmlns:a16="http://schemas.microsoft.com/office/drawing/2014/main" id="{4EEA1406-059A-2D77-6FB6-DC18E1237CFD}"/>
               </a:ext>
             </a:extLst>
           </p:cNvPr>
@@ -1659,7 +1659,7 @@
           <p:cNvPr id="5" name="文本占位符 4">
             <a:extLst>
               <a:ext uri="{FF2B5EF4-FFF2-40B4-BE49-F238E27FC236}">
-                <a16:creationId xmlns:a16="http://schemas.microsoft.com/office/drawing/2014/main" id="{679D5949-F7CD-98B4-39A2-7E8189B6692B}"/>
+                <a16:creationId xmlns:a16="http://schemas.microsoft.com/office/drawing/2014/main" id="{DA2A493D-039F-6A06-72FA-C7224032C3BE}"/>
               </a:ext>
             </a:extLst>
           </p:cNvPr>
@@ -1730,7 +1730,7 @@
           <p:cNvPr id="6" name="内容占位符 5">
             <a:extLst>
               <a:ext uri="{FF2B5EF4-FFF2-40B4-BE49-F238E27FC236}">
-                <a16:creationId xmlns:a16="http://schemas.microsoft.com/office/drawing/2014/main" id="{83F99D20-AF76-91D5-CDC3-23C3A5650352}"/>
+                <a16:creationId xmlns:a16="http://schemas.microsoft.com/office/drawing/2014/main" id="{05F13641-4F24-7638-252A-F534878257BA}"/>
               </a:ext>
             </a:extLst>
           </p:cNvPr>
@@ -1792,7 +1792,7 @@
           <p:cNvPr id="7" name="日期占位符 6">
             <a:extLst>
               <a:ext uri="{FF2B5EF4-FFF2-40B4-BE49-F238E27FC236}">
-                <a16:creationId xmlns:a16="http://schemas.microsoft.com/office/drawing/2014/main" id="{E74E02EB-127C-A40A-876D-3B3B4FEF8625}"/>
+                <a16:creationId xmlns:a16="http://schemas.microsoft.com/office/drawing/2014/main" id="{CC9A5BD2-D77F-F6B2-297F-9F29E04F9EA0}"/>
               </a:ext>
             </a:extLst>
           </p:cNvPr>
@@ -1808,7 +1808,7 @@
           <a:bodyPr/>
           <a:lstStyle/>
           <a:p>
-            <a:fld id="{1DDD77CC-6A9A-4EA7-967E-A6F6E5095DFE}" type="datetimeFigureOut">
+            <a:fld id="{0FC781BB-B210-4474-A817-192AC284A34B}" type="datetimeFigureOut">
               <a:rPr lang="zh-CN" altLang="en-US" smtClean="0"/>
               <a:t>2024/3/10</a:t>
             </a:fld>
@@ -1821,7 +1821,7 @@
           <p:cNvPr id="8" name="页脚占位符 7">
             <a:extLst>
               <a:ext uri="{FF2B5EF4-FFF2-40B4-BE49-F238E27FC236}">
-                <a16:creationId xmlns:a16="http://schemas.microsoft.com/office/drawing/2014/main" id="{C52669C6-1AC6-852E-1FA6-48A928955FAC}"/>
+                <a16:creationId xmlns:a16="http://schemas.microsoft.com/office/drawing/2014/main" id="{7179743A-9B10-DB2C-C52F-9900AB0DB10D}"/>
               </a:ext>
             </a:extLst>
           </p:cNvPr>
@@ -1846,7 +1846,7 @@
           <p:cNvPr id="9" name="灯片编号占位符 8">
             <a:extLst>
               <a:ext uri="{FF2B5EF4-FFF2-40B4-BE49-F238E27FC236}">
-                <a16:creationId xmlns:a16="http://schemas.microsoft.com/office/drawing/2014/main" id="{EB828FF5-FD74-183E-FC70-A17D61F751C5}"/>
+                <a16:creationId xmlns:a16="http://schemas.microsoft.com/office/drawing/2014/main" id="{EBFA66AB-1DE2-5F6F-A3FF-8362ECCB5D1A}"/>
               </a:ext>
             </a:extLst>
           </p:cNvPr>
@@ -1862,7 +1862,7 @@
           <a:bodyPr/>
           <a:lstStyle/>
           <a:p>
-            <a:fld id="{D98A192B-B0EA-4FAA-BC3E-8A0C7D8235CE}" type="slidenum">
+            <a:fld id="{9BA37276-30D0-4B52-A691-0F9C0F88D698}" type="slidenum">
               <a:rPr lang="zh-CN" altLang="en-US" smtClean="0"/>
               <a:t>‹#›</a:t>
             </a:fld>
@@ -1873,7 +1873,7 @@
     </p:spTree>
     <p:extLst>
       <p:ext uri="{BB962C8B-B14F-4D97-AF65-F5344CB8AC3E}">
-        <p14:creationId xmlns:p14="http://schemas.microsoft.com/office/powerpoint/2010/main" val="3882943841"/>
+        <p14:creationId xmlns:p14="http://schemas.microsoft.com/office/powerpoint/2010/main" val="2571470693"/>
       </p:ext>
     </p:extLst>
   </p:cSld>
@@ -1905,7 +1905,7 @@
           <p:cNvPr id="2" name="标题 1">
             <a:extLst>
               <a:ext uri="{FF2B5EF4-FFF2-40B4-BE49-F238E27FC236}">
-                <a16:creationId xmlns:a16="http://schemas.microsoft.com/office/drawing/2014/main" id="{978E39FC-D584-6AD9-4FA9-61139A2D90D9}"/>
+                <a16:creationId xmlns:a16="http://schemas.microsoft.com/office/drawing/2014/main" id="{C3C6E015-C8E9-43B2-15C1-A7AACC419CA3}"/>
               </a:ext>
             </a:extLst>
           </p:cNvPr>
@@ -1933,7 +1933,7 @@
           <p:cNvPr id="3" name="日期占位符 2">
             <a:extLst>
               <a:ext uri="{FF2B5EF4-FFF2-40B4-BE49-F238E27FC236}">
-                <a16:creationId xmlns:a16="http://schemas.microsoft.com/office/drawing/2014/main" id="{1BED6CFB-A3BA-9F4C-B5DF-5A8E9180BA7F}"/>
+                <a16:creationId xmlns:a16="http://schemas.microsoft.com/office/drawing/2014/main" id="{9EB81B27-55C4-1F62-CB9C-629C77253B2C}"/>
               </a:ext>
             </a:extLst>
           </p:cNvPr>
@@ -1949,7 +1949,7 @@
           <a:bodyPr/>
           <a:lstStyle/>
           <a:p>
-            <a:fld id="{1DDD77CC-6A9A-4EA7-967E-A6F6E5095DFE}" type="datetimeFigureOut">
+            <a:fld id="{0FC781BB-B210-4474-A817-192AC284A34B}" type="datetimeFigureOut">
               <a:rPr lang="zh-CN" altLang="en-US" smtClean="0"/>
               <a:t>2024/3/10</a:t>
             </a:fld>
@@ -1962,7 +1962,7 @@
           <p:cNvPr id="4" name="页脚占位符 3">
             <a:extLst>
               <a:ext uri="{FF2B5EF4-FFF2-40B4-BE49-F238E27FC236}">
-                <a16:creationId xmlns:a16="http://schemas.microsoft.com/office/drawing/2014/main" id="{6883C692-1C72-100E-2751-88E6922E96BD}"/>
+                <a16:creationId xmlns:a16="http://schemas.microsoft.com/office/drawing/2014/main" id="{BD59461C-3F3F-FE62-C0B3-43297D1A2D4D}"/>
               </a:ext>
             </a:extLst>
           </p:cNvPr>
@@ -1987,7 +1987,7 @@
           <p:cNvPr id="5" name="灯片编号占位符 4">
             <a:extLst>
               <a:ext uri="{FF2B5EF4-FFF2-40B4-BE49-F238E27FC236}">
-                <a16:creationId xmlns:a16="http://schemas.microsoft.com/office/drawing/2014/main" id="{8E9009D4-924A-745E-D2A4-DCFDC8B6AFAD}"/>
+                <a16:creationId xmlns:a16="http://schemas.microsoft.com/office/drawing/2014/main" id="{6093DAA3-A54B-939D-95CF-C340DFEAE523}"/>
               </a:ext>
             </a:extLst>
           </p:cNvPr>
@@ -2003,7 +2003,7 @@
           <a:bodyPr/>
           <a:lstStyle/>
           <a:p>
-            <a:fld id="{D98A192B-B0EA-4FAA-BC3E-8A0C7D8235CE}" type="slidenum">
+            <a:fld id="{9BA37276-30D0-4B52-A691-0F9C0F88D698}" type="slidenum">
               <a:rPr lang="zh-CN" altLang="en-US" smtClean="0"/>
               <a:t>‹#›</a:t>
             </a:fld>
@@ -2014,7 +2014,7 @@
     </p:spTree>
     <p:extLst>
       <p:ext uri="{BB962C8B-B14F-4D97-AF65-F5344CB8AC3E}">
-        <p14:creationId xmlns:p14="http://schemas.microsoft.com/office/powerpoint/2010/main" val="2271131998"/>
+        <p14:creationId xmlns:p14="http://schemas.microsoft.com/office/powerpoint/2010/main" val="1031699869"/>
       </p:ext>
     </p:extLst>
   </p:cSld>
@@ -2046,7 +2046,7 @@
           <p:cNvPr id="2" name="日期占位符 1">
             <a:extLst>
               <a:ext uri="{FF2B5EF4-FFF2-40B4-BE49-F238E27FC236}">
-                <a16:creationId xmlns:a16="http://schemas.microsoft.com/office/drawing/2014/main" id="{095F02EA-D66B-39AF-29D0-457E66A5C33F}"/>
+                <a16:creationId xmlns:a16="http://schemas.microsoft.com/office/drawing/2014/main" id="{25E086F1-71FD-52E3-7217-F4B34053D932}"/>
               </a:ext>
             </a:extLst>
           </p:cNvPr>
@@ -2062,7 +2062,7 @@
           <a:bodyPr/>
           <a:lstStyle/>
           <a:p>
-            <a:fld id="{1DDD77CC-6A9A-4EA7-967E-A6F6E5095DFE}" type="datetimeFigureOut">
+            <a:fld id="{0FC781BB-B210-4474-A817-192AC284A34B}" type="datetimeFigureOut">
               <a:rPr lang="zh-CN" altLang="en-US" smtClean="0"/>
               <a:t>2024/3/10</a:t>
             </a:fld>
@@ -2075,7 +2075,7 @@
           <p:cNvPr id="3" name="页脚占位符 2">
             <a:extLst>
               <a:ext uri="{FF2B5EF4-FFF2-40B4-BE49-F238E27FC236}">
-                <a16:creationId xmlns:a16="http://schemas.microsoft.com/office/drawing/2014/main" id="{56DD7784-A7BF-5BC5-D084-C4A8F3731813}"/>
+                <a16:creationId xmlns:a16="http://schemas.microsoft.com/office/drawing/2014/main" id="{B593C909-F1EE-C66D-D06C-1A25A60B9B1F}"/>
               </a:ext>
             </a:extLst>
           </p:cNvPr>
@@ -2100,7 +2100,7 @@
           <p:cNvPr id="4" name="灯片编号占位符 3">
             <a:extLst>
               <a:ext uri="{FF2B5EF4-FFF2-40B4-BE49-F238E27FC236}">
-                <a16:creationId xmlns:a16="http://schemas.microsoft.com/office/drawing/2014/main" id="{4412E474-94AE-A95D-BA75-4695151D0BAA}"/>
+                <a16:creationId xmlns:a16="http://schemas.microsoft.com/office/drawing/2014/main" id="{C2DFC6F1-06F0-D0BB-86F8-E951E945EC66}"/>
               </a:ext>
             </a:extLst>
           </p:cNvPr>
@@ -2116,7 +2116,7 @@
           <a:bodyPr/>
           <a:lstStyle/>
           <a:p>
-            <a:fld id="{D98A192B-B0EA-4FAA-BC3E-8A0C7D8235CE}" type="slidenum">
+            <a:fld id="{9BA37276-30D0-4B52-A691-0F9C0F88D698}" type="slidenum">
               <a:rPr lang="zh-CN" altLang="en-US" smtClean="0"/>
               <a:t>‹#›</a:t>
             </a:fld>
@@ -2127,7 +2127,7 @@
     </p:spTree>
     <p:extLst>
       <p:ext uri="{BB962C8B-B14F-4D97-AF65-F5344CB8AC3E}">
-        <p14:creationId xmlns:p14="http://schemas.microsoft.com/office/powerpoint/2010/main" val="1949097835"/>
+        <p14:creationId xmlns:p14="http://schemas.microsoft.com/office/powerpoint/2010/main" val="3547422047"/>
       </p:ext>
     </p:extLst>
   </p:cSld>
@@ -2159,7 +2159,7 @@
           <p:cNvPr id="2" name="标题 1">
             <a:extLst>
               <a:ext uri="{FF2B5EF4-FFF2-40B4-BE49-F238E27FC236}">
-                <a16:creationId xmlns:a16="http://schemas.microsoft.com/office/drawing/2014/main" id="{F50A337E-7D32-3A1C-9D56-BA66F483F488}"/>
+                <a16:creationId xmlns:a16="http://schemas.microsoft.com/office/drawing/2014/main" id="{662EADD7-EC1E-00FC-96AC-9F82C63CCAA4}"/>
               </a:ext>
             </a:extLst>
           </p:cNvPr>
@@ -2196,7 +2196,7 @@
           <p:cNvPr id="3" name="内容占位符 2">
             <a:extLst>
               <a:ext uri="{FF2B5EF4-FFF2-40B4-BE49-F238E27FC236}">
-                <a16:creationId xmlns:a16="http://schemas.microsoft.com/office/drawing/2014/main" id="{D612F8B1-B960-BB7B-CCAF-C5CF965A3A61}"/>
+                <a16:creationId xmlns:a16="http://schemas.microsoft.com/office/drawing/2014/main" id="{1116946D-B306-85FA-2B3E-E638280CA528}"/>
               </a:ext>
             </a:extLst>
           </p:cNvPr>
@@ -2286,7 +2286,7 @@
           <p:cNvPr id="4" name="文本占位符 3">
             <a:extLst>
               <a:ext uri="{FF2B5EF4-FFF2-40B4-BE49-F238E27FC236}">
-                <a16:creationId xmlns:a16="http://schemas.microsoft.com/office/drawing/2014/main" id="{FBB05AED-882D-28D8-59DC-8DD9B64C104C}"/>
+                <a16:creationId xmlns:a16="http://schemas.microsoft.com/office/drawing/2014/main" id="{9F9F1434-1FE2-DD33-B3BA-6A2CF24FF155}"/>
               </a:ext>
             </a:extLst>
           </p:cNvPr>
@@ -2357,7 +2357,7 @@
           <p:cNvPr id="5" name="日期占位符 4">
             <a:extLst>
               <a:ext uri="{FF2B5EF4-FFF2-40B4-BE49-F238E27FC236}">
-                <a16:creationId xmlns:a16="http://schemas.microsoft.com/office/drawing/2014/main" id="{A7CC29ED-654F-1BE0-08D8-1639A0C3B761}"/>
+                <a16:creationId xmlns:a16="http://schemas.microsoft.com/office/drawing/2014/main" id="{93F65E8C-FCD7-3557-5F03-CB57EB31B7C5}"/>
               </a:ext>
             </a:extLst>
           </p:cNvPr>
@@ -2373,7 +2373,7 @@
           <a:bodyPr/>
           <a:lstStyle/>
           <a:p>
-            <a:fld id="{1DDD77CC-6A9A-4EA7-967E-A6F6E5095DFE}" type="datetimeFigureOut">
+            <a:fld id="{0FC781BB-B210-4474-A817-192AC284A34B}" type="datetimeFigureOut">
               <a:rPr lang="zh-CN" altLang="en-US" smtClean="0"/>
               <a:t>2024/3/10</a:t>
             </a:fld>
@@ -2386,7 +2386,7 @@
           <p:cNvPr id="6" name="页脚占位符 5">
             <a:extLst>
               <a:ext uri="{FF2B5EF4-FFF2-40B4-BE49-F238E27FC236}">
-                <a16:creationId xmlns:a16="http://schemas.microsoft.com/office/drawing/2014/main" id="{81BF3742-8009-8200-7EFE-39F789AD39B8}"/>
+                <a16:creationId xmlns:a16="http://schemas.microsoft.com/office/drawing/2014/main" id="{699541C4-6089-12A5-FABA-197D5CA163DC}"/>
               </a:ext>
             </a:extLst>
           </p:cNvPr>
@@ -2411,7 +2411,7 @@
           <p:cNvPr id="7" name="灯片编号占位符 6">
             <a:extLst>
               <a:ext uri="{FF2B5EF4-FFF2-40B4-BE49-F238E27FC236}">
-                <a16:creationId xmlns:a16="http://schemas.microsoft.com/office/drawing/2014/main" id="{FEB17DF4-D309-0DC4-2EB2-A093FBD92088}"/>
+                <a16:creationId xmlns:a16="http://schemas.microsoft.com/office/drawing/2014/main" id="{D736B096-D90B-C08E-A6C7-CA896DE2CF5C}"/>
               </a:ext>
             </a:extLst>
           </p:cNvPr>
@@ -2427,7 +2427,7 @@
           <a:bodyPr/>
           <a:lstStyle/>
           <a:p>
-            <a:fld id="{D98A192B-B0EA-4FAA-BC3E-8A0C7D8235CE}" type="slidenum">
+            <a:fld id="{9BA37276-30D0-4B52-A691-0F9C0F88D698}" type="slidenum">
               <a:rPr lang="zh-CN" altLang="en-US" smtClean="0"/>
               <a:t>‹#›</a:t>
             </a:fld>
@@ -2438,7 +2438,7 @@
     </p:spTree>
     <p:extLst>
       <p:ext uri="{BB962C8B-B14F-4D97-AF65-F5344CB8AC3E}">
-        <p14:creationId xmlns:p14="http://schemas.microsoft.com/office/powerpoint/2010/main" val="3809368144"/>
+        <p14:creationId xmlns:p14="http://schemas.microsoft.com/office/powerpoint/2010/main" val="3020997552"/>
       </p:ext>
     </p:extLst>
   </p:cSld>
@@ -2470,7 +2470,7 @@
           <p:cNvPr id="2" name="标题 1">
             <a:extLst>
               <a:ext uri="{FF2B5EF4-FFF2-40B4-BE49-F238E27FC236}">
-                <a16:creationId xmlns:a16="http://schemas.microsoft.com/office/drawing/2014/main" id="{619D509A-8CDB-9F3A-DC00-FD9361E186D5}"/>
+                <a16:creationId xmlns:a16="http://schemas.microsoft.com/office/drawing/2014/main" id="{15DE309B-DDFE-D50A-6568-EDB334640117}"/>
               </a:ext>
             </a:extLst>
           </p:cNvPr>
@@ -2507,7 +2507,7 @@
           <p:cNvPr id="3" name="图片占位符 2">
             <a:extLst>
               <a:ext uri="{FF2B5EF4-FFF2-40B4-BE49-F238E27FC236}">
-                <a16:creationId xmlns:a16="http://schemas.microsoft.com/office/drawing/2014/main" id="{B0FA6F85-C89C-491F-762F-9A379FA7F373}"/>
+                <a16:creationId xmlns:a16="http://schemas.microsoft.com/office/drawing/2014/main" id="{DE564ADF-5E52-2BD4-C3F6-42826A7927BD}"/>
               </a:ext>
             </a:extLst>
           </p:cNvPr>
@@ -2574,7 +2574,7 @@
           <p:cNvPr id="4" name="文本占位符 3">
             <a:extLst>
               <a:ext uri="{FF2B5EF4-FFF2-40B4-BE49-F238E27FC236}">
-                <a16:creationId xmlns:a16="http://schemas.microsoft.com/office/drawing/2014/main" id="{91B9ABA0-C7F4-B704-593B-5329C53A00DC}"/>
+                <a16:creationId xmlns:a16="http://schemas.microsoft.com/office/drawing/2014/main" id="{5D39818E-8DB6-33EF-A958-96CD17553303}"/>
               </a:ext>
             </a:extLst>
           </p:cNvPr>
@@ -2645,7 +2645,7 @@
           <p:cNvPr id="5" name="日期占位符 4">
             <a:extLst>
               <a:ext uri="{FF2B5EF4-FFF2-40B4-BE49-F238E27FC236}">
-                <a16:creationId xmlns:a16="http://schemas.microsoft.com/office/drawing/2014/main" id="{1508B565-94DC-90D6-97C9-73ACA811599A}"/>
+                <a16:creationId xmlns:a16="http://schemas.microsoft.com/office/drawing/2014/main" id="{48316E7F-D9A1-8ED8-A0DC-277B4585E4BB}"/>
               </a:ext>
             </a:extLst>
           </p:cNvPr>
@@ -2661,7 +2661,7 @@
           <a:bodyPr/>
           <a:lstStyle/>
           <a:p>
-            <a:fld id="{1DDD77CC-6A9A-4EA7-967E-A6F6E5095DFE}" type="datetimeFigureOut">
+            <a:fld id="{0FC781BB-B210-4474-A817-192AC284A34B}" type="datetimeFigureOut">
               <a:rPr lang="zh-CN" altLang="en-US" smtClean="0"/>
               <a:t>2024/3/10</a:t>
             </a:fld>
@@ -2674,7 +2674,7 @@
           <p:cNvPr id="6" name="页脚占位符 5">
             <a:extLst>
               <a:ext uri="{FF2B5EF4-FFF2-40B4-BE49-F238E27FC236}">
-                <a16:creationId xmlns:a16="http://schemas.microsoft.com/office/drawing/2014/main" id="{904EABEF-2CDB-04D1-BDEE-910C44B1B09E}"/>
+                <a16:creationId xmlns:a16="http://schemas.microsoft.com/office/drawing/2014/main" id="{3DDFA0C1-713F-C09D-2EAB-BCFA53CEAAED}"/>
               </a:ext>
             </a:extLst>
           </p:cNvPr>
@@ -2699,7 +2699,7 @@
           <p:cNvPr id="7" name="灯片编号占位符 6">
             <a:extLst>
               <a:ext uri="{FF2B5EF4-FFF2-40B4-BE49-F238E27FC236}">
-                <a16:creationId xmlns:a16="http://schemas.microsoft.com/office/drawing/2014/main" id="{6A26A22C-82EE-1E1B-CCF9-01182D1AA9A4}"/>
+                <a16:creationId xmlns:a16="http://schemas.microsoft.com/office/drawing/2014/main" id="{A686C312-DC4F-6481-BECE-D42CACEA2D5E}"/>
               </a:ext>
             </a:extLst>
           </p:cNvPr>
@@ -2715,7 +2715,7 @@
           <a:bodyPr/>
           <a:lstStyle/>
           <a:p>
-            <a:fld id="{D98A192B-B0EA-4FAA-BC3E-8A0C7D8235CE}" type="slidenum">
+            <a:fld id="{9BA37276-30D0-4B52-A691-0F9C0F88D698}" type="slidenum">
               <a:rPr lang="zh-CN" altLang="en-US" smtClean="0"/>
               <a:t>‹#›</a:t>
             </a:fld>
@@ -2726,7 +2726,7 @@
     </p:spTree>
     <p:extLst>
       <p:ext uri="{BB962C8B-B14F-4D97-AF65-F5344CB8AC3E}">
-        <p14:creationId xmlns:p14="http://schemas.microsoft.com/office/powerpoint/2010/main" val="780009405"/>
+        <p14:creationId xmlns:p14="http://schemas.microsoft.com/office/powerpoint/2010/main" val="3028360340"/>
       </p:ext>
     </p:extLst>
   </p:cSld>
@@ -2763,7 +2763,7 @@
           <p:cNvPr id="2" name="标题占位符 1">
             <a:extLst>
               <a:ext uri="{FF2B5EF4-FFF2-40B4-BE49-F238E27FC236}">
-                <a16:creationId xmlns:a16="http://schemas.microsoft.com/office/drawing/2014/main" id="{27B364B1-9A72-2D25-600A-5641DAAD889C}"/>
+                <a16:creationId xmlns:a16="http://schemas.microsoft.com/office/drawing/2014/main" id="{DFA33DED-3D5F-0494-BE63-9B0080264460}"/>
               </a:ext>
             </a:extLst>
           </p:cNvPr>
@@ -2801,7 +2801,7 @@
           <p:cNvPr id="3" name="文本占位符 2">
             <a:extLst>
               <a:ext uri="{FF2B5EF4-FFF2-40B4-BE49-F238E27FC236}">
-                <a16:creationId xmlns:a16="http://schemas.microsoft.com/office/drawing/2014/main" id="{44D82D6B-7A6F-13E5-3E1D-E446F12851D5}"/>
+                <a16:creationId xmlns:a16="http://schemas.microsoft.com/office/drawing/2014/main" id="{08B2723C-1C41-4BE6-4643-66919A807A77}"/>
               </a:ext>
             </a:extLst>
           </p:cNvPr>
@@ -2868,7 +2868,7 @@
           <p:cNvPr id="4" name="日期占位符 3">
             <a:extLst>
               <a:ext uri="{FF2B5EF4-FFF2-40B4-BE49-F238E27FC236}">
-                <a16:creationId xmlns:a16="http://schemas.microsoft.com/office/drawing/2014/main" id="{938E3055-0056-10D2-50A6-32D28EBFC11A}"/>
+                <a16:creationId xmlns:a16="http://schemas.microsoft.com/office/drawing/2014/main" id="{DDD4B94D-25F9-00EE-EC18-3BF1FAFD543C}"/>
               </a:ext>
             </a:extLst>
           </p:cNvPr>
@@ -2902,7 +2902,7 @@
             </a:lvl1pPr>
           </a:lstStyle>
           <a:p>
-            <a:fld id="{1DDD77CC-6A9A-4EA7-967E-A6F6E5095DFE}" type="datetimeFigureOut">
+            <a:fld id="{0FC781BB-B210-4474-A817-192AC284A34B}" type="datetimeFigureOut">
               <a:rPr lang="zh-CN" altLang="en-US" smtClean="0"/>
               <a:t>2024/3/10</a:t>
             </a:fld>
@@ -2915,7 +2915,7 @@
           <p:cNvPr id="5" name="页脚占位符 4">
             <a:extLst>
               <a:ext uri="{FF2B5EF4-FFF2-40B4-BE49-F238E27FC236}">
-                <a16:creationId xmlns:a16="http://schemas.microsoft.com/office/drawing/2014/main" id="{8FF781F8-E07F-853A-D881-03BEDFD8A03D}"/>
+                <a16:creationId xmlns:a16="http://schemas.microsoft.com/office/drawing/2014/main" id="{98FBE699-FC38-DDEE-94E2-F7451839839F}"/>
               </a:ext>
             </a:extLst>
           </p:cNvPr>
@@ -2958,7 +2958,7 @@
           <p:cNvPr id="6" name="灯片编号占位符 5">
             <a:extLst>
               <a:ext uri="{FF2B5EF4-FFF2-40B4-BE49-F238E27FC236}">
-                <a16:creationId xmlns:a16="http://schemas.microsoft.com/office/drawing/2014/main" id="{B660397F-BF2A-FEF6-D52B-107520411BC9}"/>
+                <a16:creationId xmlns:a16="http://schemas.microsoft.com/office/drawing/2014/main" id="{380E422B-7E3C-56ED-A959-361D29ED8FC8}"/>
               </a:ext>
             </a:extLst>
           </p:cNvPr>
@@ -2992,7 +2992,7 @@
             </a:lvl1pPr>
           </a:lstStyle>
           <a:p>
-            <a:fld id="{D98A192B-B0EA-4FAA-BC3E-8A0C7D8235CE}" type="slidenum">
+            <a:fld id="{9BA37276-30D0-4B52-A691-0F9C0F88D698}" type="slidenum">
               <a:rPr lang="zh-CN" altLang="en-US" smtClean="0"/>
               <a:t>‹#›</a:t>
             </a:fld>
@@ -3003,7 +3003,7 @@
     </p:spTree>
     <p:extLst>
       <p:ext uri="{BB962C8B-B14F-4D97-AF65-F5344CB8AC3E}">
-        <p14:creationId xmlns:p14="http://schemas.microsoft.com/office/powerpoint/2010/main" val="711758139"/>
+        <p14:creationId xmlns:p14="http://schemas.microsoft.com/office/powerpoint/2010/main" val="4071766417"/>
       </p:ext>
     </p:extLst>
   </p:cSld>
